--- a/ppt 16-9/1579.这一生最美的祝.pptx
+++ b/ppt 16-9/1579.这一生最美的祝.pptx
@@ -5,7 +5,7 @@
     <p:sldMasterId id="2147483648" r:id="rId1"/>
   </p:sldMasterIdLst>
   <p:sldIdLst>
-    <p:sldId id="3434" r:id="rId2"/>
+    <p:sldId id="3436" r:id="rId2"/>
   </p:sldIdLst>
   <p:sldSz cx="12192000" cy="6858000"/>
   <p:notesSz cx="6858000" cy="9144000"/>
@@ -129,7 +129,7 @@
           <p:cNvPr id="2" name="标题 1">
             <a:extLst>
               <a:ext uri="{FF2B5EF4-FFF2-40B4-BE49-F238E27FC236}">
-                <a16:creationId xmlns:a16="http://schemas.microsoft.com/office/drawing/2014/main" id="{F6AD01F2-3A8C-585E-A424-67881C51083E}"/>
+                <a16:creationId xmlns:a16="http://schemas.microsoft.com/office/drawing/2014/main" id="{720CA113-D0F7-DE0A-4B1F-CC98090FD228}"/>
               </a:ext>
             </a:extLst>
           </p:cNvPr>
@@ -166,7 +166,7 @@
           <p:cNvPr id="3" name="副标题 2">
             <a:extLst>
               <a:ext uri="{FF2B5EF4-FFF2-40B4-BE49-F238E27FC236}">
-                <a16:creationId xmlns:a16="http://schemas.microsoft.com/office/drawing/2014/main" id="{FCF68758-927E-057D-A4BC-A2186C490BF1}"/>
+                <a16:creationId xmlns:a16="http://schemas.microsoft.com/office/drawing/2014/main" id="{A80115CB-7741-944B-0B9B-891A222FCFED}"/>
               </a:ext>
             </a:extLst>
           </p:cNvPr>
@@ -236,7 +236,7 @@
           <p:cNvPr id="4" name="日期占位符 3">
             <a:extLst>
               <a:ext uri="{FF2B5EF4-FFF2-40B4-BE49-F238E27FC236}">
-                <a16:creationId xmlns:a16="http://schemas.microsoft.com/office/drawing/2014/main" id="{A0BFFFC1-CA98-91E0-77AB-50B0D957849A}"/>
+                <a16:creationId xmlns:a16="http://schemas.microsoft.com/office/drawing/2014/main" id="{23D7C256-8593-D051-1689-A4E8B9453CBD}"/>
               </a:ext>
             </a:extLst>
           </p:cNvPr>
@@ -252,7 +252,7 @@
           <a:bodyPr/>
           <a:lstStyle/>
           <a:p>
-            <a:fld id="{A91A9AD6-08B1-4FEC-86FC-4D79965A16A6}" type="datetimeFigureOut">
+            <a:fld id="{424B1675-DFFF-4EE4-9B33-090780B5C3BF}" type="datetimeFigureOut">
               <a:rPr lang="zh-CN" altLang="en-US" smtClean="0"/>
               <a:t>2024/3/10</a:t>
             </a:fld>
@@ -265,7 +265,7 @@
           <p:cNvPr id="5" name="页脚占位符 4">
             <a:extLst>
               <a:ext uri="{FF2B5EF4-FFF2-40B4-BE49-F238E27FC236}">
-                <a16:creationId xmlns:a16="http://schemas.microsoft.com/office/drawing/2014/main" id="{D1511135-8F72-E27D-1567-926BB01B3C53}"/>
+                <a16:creationId xmlns:a16="http://schemas.microsoft.com/office/drawing/2014/main" id="{405C654F-A7E6-E104-0650-7F7C7221A0EA}"/>
               </a:ext>
             </a:extLst>
           </p:cNvPr>
@@ -290,7 +290,7 @@
           <p:cNvPr id="6" name="灯片编号占位符 5">
             <a:extLst>
               <a:ext uri="{FF2B5EF4-FFF2-40B4-BE49-F238E27FC236}">
-                <a16:creationId xmlns:a16="http://schemas.microsoft.com/office/drawing/2014/main" id="{89C42DFC-06D1-A128-2A83-F9A8ED050440}"/>
+                <a16:creationId xmlns:a16="http://schemas.microsoft.com/office/drawing/2014/main" id="{CA30FC3B-B8AE-A317-81C9-C967D4D1B784}"/>
               </a:ext>
             </a:extLst>
           </p:cNvPr>
@@ -306,7 +306,7 @@
           <a:bodyPr/>
           <a:lstStyle/>
           <a:p>
-            <a:fld id="{99F08C01-CB03-4170-8D82-FDDE54998278}" type="slidenum">
+            <a:fld id="{DBB124C0-CFFB-43BF-9722-6E16570083F9}" type="slidenum">
               <a:rPr lang="zh-CN" altLang="en-US" smtClean="0"/>
               <a:t>‹#›</a:t>
             </a:fld>
@@ -317,7 +317,7 @@
     </p:spTree>
     <p:extLst>
       <p:ext uri="{BB962C8B-B14F-4D97-AF65-F5344CB8AC3E}">
-        <p14:creationId xmlns:p14="http://schemas.microsoft.com/office/powerpoint/2010/main" val="472918956"/>
+        <p14:creationId xmlns:p14="http://schemas.microsoft.com/office/powerpoint/2010/main" val="2880275824"/>
       </p:ext>
     </p:extLst>
   </p:cSld>
@@ -349,7 +349,7 @@
           <p:cNvPr id="2" name="标题 1">
             <a:extLst>
               <a:ext uri="{FF2B5EF4-FFF2-40B4-BE49-F238E27FC236}">
-                <a16:creationId xmlns:a16="http://schemas.microsoft.com/office/drawing/2014/main" id="{F1F36397-EA86-4F2E-9284-7F57D00DEA37}"/>
+                <a16:creationId xmlns:a16="http://schemas.microsoft.com/office/drawing/2014/main" id="{ACB55E87-4202-7A5C-904C-E71BCC8AAE7C}"/>
               </a:ext>
             </a:extLst>
           </p:cNvPr>
@@ -377,7 +377,7 @@
           <p:cNvPr id="3" name="竖排文字占位符 2">
             <a:extLst>
               <a:ext uri="{FF2B5EF4-FFF2-40B4-BE49-F238E27FC236}">
-                <a16:creationId xmlns:a16="http://schemas.microsoft.com/office/drawing/2014/main" id="{11C227F2-2FB0-1B12-F21F-3CCEEA747DB8}"/>
+                <a16:creationId xmlns:a16="http://schemas.microsoft.com/office/drawing/2014/main" id="{BAAF7806-87E9-8E79-89E6-52F02F8B75F1}"/>
               </a:ext>
             </a:extLst>
           </p:cNvPr>
@@ -434,7 +434,7 @@
           <p:cNvPr id="4" name="日期占位符 3">
             <a:extLst>
               <a:ext uri="{FF2B5EF4-FFF2-40B4-BE49-F238E27FC236}">
-                <a16:creationId xmlns:a16="http://schemas.microsoft.com/office/drawing/2014/main" id="{A8D6525F-3E83-0B85-08E7-97C01ECDC85A}"/>
+                <a16:creationId xmlns:a16="http://schemas.microsoft.com/office/drawing/2014/main" id="{47E80E14-0240-E0F4-5277-DFFA38B8903F}"/>
               </a:ext>
             </a:extLst>
           </p:cNvPr>
@@ -450,7 +450,7 @@
           <a:bodyPr/>
           <a:lstStyle/>
           <a:p>
-            <a:fld id="{A91A9AD6-08B1-4FEC-86FC-4D79965A16A6}" type="datetimeFigureOut">
+            <a:fld id="{424B1675-DFFF-4EE4-9B33-090780B5C3BF}" type="datetimeFigureOut">
               <a:rPr lang="zh-CN" altLang="en-US" smtClean="0"/>
               <a:t>2024/3/10</a:t>
             </a:fld>
@@ -463,7 +463,7 @@
           <p:cNvPr id="5" name="页脚占位符 4">
             <a:extLst>
               <a:ext uri="{FF2B5EF4-FFF2-40B4-BE49-F238E27FC236}">
-                <a16:creationId xmlns:a16="http://schemas.microsoft.com/office/drawing/2014/main" id="{675A3AFE-1FD4-0592-3C8E-3C1769B6A178}"/>
+                <a16:creationId xmlns:a16="http://schemas.microsoft.com/office/drawing/2014/main" id="{347ACCCD-5F51-877B-64FD-98A61647FB5E}"/>
               </a:ext>
             </a:extLst>
           </p:cNvPr>
@@ -488,7 +488,7 @@
           <p:cNvPr id="6" name="灯片编号占位符 5">
             <a:extLst>
               <a:ext uri="{FF2B5EF4-FFF2-40B4-BE49-F238E27FC236}">
-                <a16:creationId xmlns:a16="http://schemas.microsoft.com/office/drawing/2014/main" id="{B18D37FE-DF23-9EB8-3E8B-0D98524E3150}"/>
+                <a16:creationId xmlns:a16="http://schemas.microsoft.com/office/drawing/2014/main" id="{621E4DAF-2A99-EEDD-908B-3BCC9BBA695A}"/>
               </a:ext>
             </a:extLst>
           </p:cNvPr>
@@ -504,7 +504,7 @@
           <a:bodyPr/>
           <a:lstStyle/>
           <a:p>
-            <a:fld id="{99F08C01-CB03-4170-8D82-FDDE54998278}" type="slidenum">
+            <a:fld id="{DBB124C0-CFFB-43BF-9722-6E16570083F9}" type="slidenum">
               <a:rPr lang="zh-CN" altLang="en-US" smtClean="0"/>
               <a:t>‹#›</a:t>
             </a:fld>
@@ -515,7 +515,7 @@
     </p:spTree>
     <p:extLst>
       <p:ext uri="{BB962C8B-B14F-4D97-AF65-F5344CB8AC3E}">
-        <p14:creationId xmlns:p14="http://schemas.microsoft.com/office/powerpoint/2010/main" val="1469438887"/>
+        <p14:creationId xmlns:p14="http://schemas.microsoft.com/office/powerpoint/2010/main" val="493893106"/>
       </p:ext>
     </p:extLst>
   </p:cSld>
@@ -547,7 +547,7 @@
           <p:cNvPr id="2" name="竖排标题 1">
             <a:extLst>
               <a:ext uri="{FF2B5EF4-FFF2-40B4-BE49-F238E27FC236}">
-                <a16:creationId xmlns:a16="http://schemas.microsoft.com/office/drawing/2014/main" id="{89D3E3EC-18E4-1605-1B1B-2096060D73FB}"/>
+                <a16:creationId xmlns:a16="http://schemas.microsoft.com/office/drawing/2014/main" id="{AB04FC72-6D69-EC9E-E6E3-A7267AC02D8F}"/>
               </a:ext>
             </a:extLst>
           </p:cNvPr>
@@ -580,7 +580,7 @@
           <p:cNvPr id="3" name="竖排文字占位符 2">
             <a:extLst>
               <a:ext uri="{FF2B5EF4-FFF2-40B4-BE49-F238E27FC236}">
-                <a16:creationId xmlns:a16="http://schemas.microsoft.com/office/drawing/2014/main" id="{C7C26276-57AF-09BB-C730-7FB60572EB08}"/>
+                <a16:creationId xmlns:a16="http://schemas.microsoft.com/office/drawing/2014/main" id="{CA66CFFA-DA88-E462-FB6E-FCEE103E7339}"/>
               </a:ext>
             </a:extLst>
           </p:cNvPr>
@@ -642,7 +642,7 @@
           <p:cNvPr id="4" name="日期占位符 3">
             <a:extLst>
               <a:ext uri="{FF2B5EF4-FFF2-40B4-BE49-F238E27FC236}">
-                <a16:creationId xmlns:a16="http://schemas.microsoft.com/office/drawing/2014/main" id="{501C6173-EAC9-A23B-A441-377A2D25B114}"/>
+                <a16:creationId xmlns:a16="http://schemas.microsoft.com/office/drawing/2014/main" id="{787B62D6-1539-7389-B4DF-AC476C4E09B2}"/>
               </a:ext>
             </a:extLst>
           </p:cNvPr>
@@ -658,7 +658,7 @@
           <a:bodyPr/>
           <a:lstStyle/>
           <a:p>
-            <a:fld id="{A91A9AD6-08B1-4FEC-86FC-4D79965A16A6}" type="datetimeFigureOut">
+            <a:fld id="{424B1675-DFFF-4EE4-9B33-090780B5C3BF}" type="datetimeFigureOut">
               <a:rPr lang="zh-CN" altLang="en-US" smtClean="0"/>
               <a:t>2024/3/10</a:t>
             </a:fld>
@@ -671,7 +671,7 @@
           <p:cNvPr id="5" name="页脚占位符 4">
             <a:extLst>
               <a:ext uri="{FF2B5EF4-FFF2-40B4-BE49-F238E27FC236}">
-                <a16:creationId xmlns:a16="http://schemas.microsoft.com/office/drawing/2014/main" id="{032D17EE-948A-F688-079E-882BF3C32182}"/>
+                <a16:creationId xmlns:a16="http://schemas.microsoft.com/office/drawing/2014/main" id="{CCF4AEC0-0FF6-EAEE-0B69-95449D72BBA1}"/>
               </a:ext>
             </a:extLst>
           </p:cNvPr>
@@ -696,7 +696,7 @@
           <p:cNvPr id="6" name="灯片编号占位符 5">
             <a:extLst>
               <a:ext uri="{FF2B5EF4-FFF2-40B4-BE49-F238E27FC236}">
-                <a16:creationId xmlns:a16="http://schemas.microsoft.com/office/drawing/2014/main" id="{BB4E90CC-1A14-DA0A-632B-A4D57040CC6A}"/>
+                <a16:creationId xmlns:a16="http://schemas.microsoft.com/office/drawing/2014/main" id="{68889B40-2D0B-AC1D-F4FF-CF9B56482153}"/>
               </a:ext>
             </a:extLst>
           </p:cNvPr>
@@ -712,7 +712,7 @@
           <a:bodyPr/>
           <a:lstStyle/>
           <a:p>
-            <a:fld id="{99F08C01-CB03-4170-8D82-FDDE54998278}" type="slidenum">
+            <a:fld id="{DBB124C0-CFFB-43BF-9722-6E16570083F9}" type="slidenum">
               <a:rPr lang="zh-CN" altLang="en-US" smtClean="0"/>
               <a:t>‹#›</a:t>
             </a:fld>
@@ -723,7 +723,7 @@
     </p:spTree>
     <p:extLst>
       <p:ext uri="{BB962C8B-B14F-4D97-AF65-F5344CB8AC3E}">
-        <p14:creationId xmlns:p14="http://schemas.microsoft.com/office/powerpoint/2010/main" val="2748031441"/>
+        <p14:creationId xmlns:p14="http://schemas.microsoft.com/office/powerpoint/2010/main" val="3148695380"/>
       </p:ext>
     </p:extLst>
   </p:cSld>
@@ -755,7 +755,7 @@
           <p:cNvPr id="2" name="标题 1">
             <a:extLst>
               <a:ext uri="{FF2B5EF4-FFF2-40B4-BE49-F238E27FC236}">
-                <a16:creationId xmlns:a16="http://schemas.microsoft.com/office/drawing/2014/main" id="{0C505EA4-B69D-FDC1-FF1F-5FCCC3F5C91C}"/>
+                <a16:creationId xmlns:a16="http://schemas.microsoft.com/office/drawing/2014/main" id="{76435580-CC73-F07D-7FE2-99F06B0FC07C}"/>
               </a:ext>
             </a:extLst>
           </p:cNvPr>
@@ -783,7 +783,7 @@
           <p:cNvPr id="3" name="内容占位符 2">
             <a:extLst>
               <a:ext uri="{FF2B5EF4-FFF2-40B4-BE49-F238E27FC236}">
-                <a16:creationId xmlns:a16="http://schemas.microsoft.com/office/drawing/2014/main" id="{DCF012D1-17E8-196D-BB27-CDFB55087CAE}"/>
+                <a16:creationId xmlns:a16="http://schemas.microsoft.com/office/drawing/2014/main" id="{BF75E60C-EF89-0F55-91D7-269DE70F4F59}"/>
               </a:ext>
             </a:extLst>
           </p:cNvPr>
@@ -840,7 +840,7 @@
           <p:cNvPr id="4" name="日期占位符 3">
             <a:extLst>
               <a:ext uri="{FF2B5EF4-FFF2-40B4-BE49-F238E27FC236}">
-                <a16:creationId xmlns:a16="http://schemas.microsoft.com/office/drawing/2014/main" id="{2A5F799C-54E6-3A76-F765-6AE980285464}"/>
+                <a16:creationId xmlns:a16="http://schemas.microsoft.com/office/drawing/2014/main" id="{0EF5B661-BCDC-670E-9D26-31F1E8C179A7}"/>
               </a:ext>
             </a:extLst>
           </p:cNvPr>
@@ -856,7 +856,7 @@
           <a:bodyPr/>
           <a:lstStyle/>
           <a:p>
-            <a:fld id="{A91A9AD6-08B1-4FEC-86FC-4D79965A16A6}" type="datetimeFigureOut">
+            <a:fld id="{424B1675-DFFF-4EE4-9B33-090780B5C3BF}" type="datetimeFigureOut">
               <a:rPr lang="zh-CN" altLang="en-US" smtClean="0"/>
               <a:t>2024/3/10</a:t>
             </a:fld>
@@ -869,7 +869,7 @@
           <p:cNvPr id="5" name="页脚占位符 4">
             <a:extLst>
               <a:ext uri="{FF2B5EF4-FFF2-40B4-BE49-F238E27FC236}">
-                <a16:creationId xmlns:a16="http://schemas.microsoft.com/office/drawing/2014/main" id="{66C2D8F0-46F2-5A4C-0BD5-7308AACAE792}"/>
+                <a16:creationId xmlns:a16="http://schemas.microsoft.com/office/drawing/2014/main" id="{9DA0512C-412B-F71B-EA78-02FE785966B6}"/>
               </a:ext>
             </a:extLst>
           </p:cNvPr>
@@ -894,7 +894,7 @@
           <p:cNvPr id="6" name="灯片编号占位符 5">
             <a:extLst>
               <a:ext uri="{FF2B5EF4-FFF2-40B4-BE49-F238E27FC236}">
-                <a16:creationId xmlns:a16="http://schemas.microsoft.com/office/drawing/2014/main" id="{DC72E1F7-C41E-C580-F03A-AD829E2876A0}"/>
+                <a16:creationId xmlns:a16="http://schemas.microsoft.com/office/drawing/2014/main" id="{D0C2C92F-9F57-F59C-92B5-35CFA56C1ED8}"/>
               </a:ext>
             </a:extLst>
           </p:cNvPr>
@@ -910,7 +910,7 @@
           <a:bodyPr/>
           <a:lstStyle/>
           <a:p>
-            <a:fld id="{99F08C01-CB03-4170-8D82-FDDE54998278}" type="slidenum">
+            <a:fld id="{DBB124C0-CFFB-43BF-9722-6E16570083F9}" type="slidenum">
               <a:rPr lang="zh-CN" altLang="en-US" smtClean="0"/>
               <a:t>‹#›</a:t>
             </a:fld>
@@ -921,7 +921,7 @@
     </p:spTree>
     <p:extLst>
       <p:ext uri="{BB962C8B-B14F-4D97-AF65-F5344CB8AC3E}">
-        <p14:creationId xmlns:p14="http://schemas.microsoft.com/office/powerpoint/2010/main" val="3287286313"/>
+        <p14:creationId xmlns:p14="http://schemas.microsoft.com/office/powerpoint/2010/main" val="1023327811"/>
       </p:ext>
     </p:extLst>
   </p:cSld>
@@ -953,7 +953,7 @@
           <p:cNvPr id="2" name="标题 1">
             <a:extLst>
               <a:ext uri="{FF2B5EF4-FFF2-40B4-BE49-F238E27FC236}">
-                <a16:creationId xmlns:a16="http://schemas.microsoft.com/office/drawing/2014/main" id="{613CD353-9DCF-A880-F14F-0DA6920F301D}"/>
+                <a16:creationId xmlns:a16="http://schemas.microsoft.com/office/drawing/2014/main" id="{762A202F-C5E9-5443-39AB-9464612FFA50}"/>
               </a:ext>
             </a:extLst>
           </p:cNvPr>
@@ -990,7 +990,7 @@
           <p:cNvPr id="3" name="文本占位符 2">
             <a:extLst>
               <a:ext uri="{FF2B5EF4-FFF2-40B4-BE49-F238E27FC236}">
-                <a16:creationId xmlns:a16="http://schemas.microsoft.com/office/drawing/2014/main" id="{1A395ED3-5DFF-7FE4-45EB-45C5F89F0015}"/>
+                <a16:creationId xmlns:a16="http://schemas.microsoft.com/office/drawing/2014/main" id="{83AD4AA5-4E40-5139-78FC-E2421B62CB57}"/>
               </a:ext>
             </a:extLst>
           </p:cNvPr>
@@ -1115,7 +1115,7 @@
           <p:cNvPr id="4" name="日期占位符 3">
             <a:extLst>
               <a:ext uri="{FF2B5EF4-FFF2-40B4-BE49-F238E27FC236}">
-                <a16:creationId xmlns:a16="http://schemas.microsoft.com/office/drawing/2014/main" id="{0914BA48-3F4F-649A-AE58-46B430ACECDA}"/>
+                <a16:creationId xmlns:a16="http://schemas.microsoft.com/office/drawing/2014/main" id="{5B0EFB0A-3186-8256-B74E-97A58778ED9B}"/>
               </a:ext>
             </a:extLst>
           </p:cNvPr>
@@ -1131,7 +1131,7 @@
           <a:bodyPr/>
           <a:lstStyle/>
           <a:p>
-            <a:fld id="{A91A9AD6-08B1-4FEC-86FC-4D79965A16A6}" type="datetimeFigureOut">
+            <a:fld id="{424B1675-DFFF-4EE4-9B33-090780B5C3BF}" type="datetimeFigureOut">
               <a:rPr lang="zh-CN" altLang="en-US" smtClean="0"/>
               <a:t>2024/3/10</a:t>
             </a:fld>
@@ -1144,7 +1144,7 @@
           <p:cNvPr id="5" name="页脚占位符 4">
             <a:extLst>
               <a:ext uri="{FF2B5EF4-FFF2-40B4-BE49-F238E27FC236}">
-                <a16:creationId xmlns:a16="http://schemas.microsoft.com/office/drawing/2014/main" id="{90ACD8FD-AB75-820B-8443-663507B52DD5}"/>
+                <a16:creationId xmlns:a16="http://schemas.microsoft.com/office/drawing/2014/main" id="{7C2F851D-B41D-635D-DCA7-4C34C0D77986}"/>
               </a:ext>
             </a:extLst>
           </p:cNvPr>
@@ -1169,7 +1169,7 @@
           <p:cNvPr id="6" name="灯片编号占位符 5">
             <a:extLst>
               <a:ext uri="{FF2B5EF4-FFF2-40B4-BE49-F238E27FC236}">
-                <a16:creationId xmlns:a16="http://schemas.microsoft.com/office/drawing/2014/main" id="{9A5660F0-8AA6-D953-0B6F-9E6F2837D74F}"/>
+                <a16:creationId xmlns:a16="http://schemas.microsoft.com/office/drawing/2014/main" id="{DE45F962-C906-2EF1-65B2-4115E9961C19}"/>
               </a:ext>
             </a:extLst>
           </p:cNvPr>
@@ -1185,7 +1185,7 @@
           <a:bodyPr/>
           <a:lstStyle/>
           <a:p>
-            <a:fld id="{99F08C01-CB03-4170-8D82-FDDE54998278}" type="slidenum">
+            <a:fld id="{DBB124C0-CFFB-43BF-9722-6E16570083F9}" type="slidenum">
               <a:rPr lang="zh-CN" altLang="en-US" smtClean="0"/>
               <a:t>‹#›</a:t>
             </a:fld>
@@ -1196,7 +1196,7 @@
     </p:spTree>
     <p:extLst>
       <p:ext uri="{BB962C8B-B14F-4D97-AF65-F5344CB8AC3E}">
-        <p14:creationId xmlns:p14="http://schemas.microsoft.com/office/powerpoint/2010/main" val="1124666343"/>
+        <p14:creationId xmlns:p14="http://schemas.microsoft.com/office/powerpoint/2010/main" val="854614908"/>
       </p:ext>
     </p:extLst>
   </p:cSld>
@@ -1228,7 +1228,7 @@
           <p:cNvPr id="2" name="标题 1">
             <a:extLst>
               <a:ext uri="{FF2B5EF4-FFF2-40B4-BE49-F238E27FC236}">
-                <a16:creationId xmlns:a16="http://schemas.microsoft.com/office/drawing/2014/main" id="{35847D58-DCF4-5B3E-48B9-46A4AE868CCA}"/>
+                <a16:creationId xmlns:a16="http://schemas.microsoft.com/office/drawing/2014/main" id="{F4F065FC-B3A3-3105-86B5-37FCD7EB5B67}"/>
               </a:ext>
             </a:extLst>
           </p:cNvPr>
@@ -1256,7 +1256,7 @@
           <p:cNvPr id="3" name="内容占位符 2">
             <a:extLst>
               <a:ext uri="{FF2B5EF4-FFF2-40B4-BE49-F238E27FC236}">
-                <a16:creationId xmlns:a16="http://schemas.microsoft.com/office/drawing/2014/main" id="{3F18634F-FED9-252C-91B3-1DC9C8B20E24}"/>
+                <a16:creationId xmlns:a16="http://schemas.microsoft.com/office/drawing/2014/main" id="{6C61AC0B-4355-916F-5812-733DA44601F4}"/>
               </a:ext>
             </a:extLst>
           </p:cNvPr>
@@ -1318,7 +1318,7 @@
           <p:cNvPr id="4" name="内容占位符 3">
             <a:extLst>
               <a:ext uri="{FF2B5EF4-FFF2-40B4-BE49-F238E27FC236}">
-                <a16:creationId xmlns:a16="http://schemas.microsoft.com/office/drawing/2014/main" id="{10B776BD-EDE3-C4C8-574B-36787BDDD20B}"/>
+                <a16:creationId xmlns:a16="http://schemas.microsoft.com/office/drawing/2014/main" id="{9BECE229-BD71-F7E0-1F53-0A4147E0A29B}"/>
               </a:ext>
             </a:extLst>
           </p:cNvPr>
@@ -1380,7 +1380,7 @@
           <p:cNvPr id="5" name="日期占位符 4">
             <a:extLst>
               <a:ext uri="{FF2B5EF4-FFF2-40B4-BE49-F238E27FC236}">
-                <a16:creationId xmlns:a16="http://schemas.microsoft.com/office/drawing/2014/main" id="{75AA008F-B0E4-446F-AC61-D1AF61C18656}"/>
+                <a16:creationId xmlns:a16="http://schemas.microsoft.com/office/drawing/2014/main" id="{D64F2083-986D-54E3-8561-CD310F49DD4C}"/>
               </a:ext>
             </a:extLst>
           </p:cNvPr>
@@ -1396,7 +1396,7 @@
           <a:bodyPr/>
           <a:lstStyle/>
           <a:p>
-            <a:fld id="{A91A9AD6-08B1-4FEC-86FC-4D79965A16A6}" type="datetimeFigureOut">
+            <a:fld id="{424B1675-DFFF-4EE4-9B33-090780B5C3BF}" type="datetimeFigureOut">
               <a:rPr lang="zh-CN" altLang="en-US" smtClean="0"/>
               <a:t>2024/3/10</a:t>
             </a:fld>
@@ -1409,7 +1409,7 @@
           <p:cNvPr id="6" name="页脚占位符 5">
             <a:extLst>
               <a:ext uri="{FF2B5EF4-FFF2-40B4-BE49-F238E27FC236}">
-                <a16:creationId xmlns:a16="http://schemas.microsoft.com/office/drawing/2014/main" id="{4431C728-2D00-8D7E-00BC-56652335FBFC}"/>
+                <a16:creationId xmlns:a16="http://schemas.microsoft.com/office/drawing/2014/main" id="{6E940938-9058-D53F-FA5C-AEE7B9530171}"/>
               </a:ext>
             </a:extLst>
           </p:cNvPr>
@@ -1434,7 +1434,7 @@
           <p:cNvPr id="7" name="灯片编号占位符 6">
             <a:extLst>
               <a:ext uri="{FF2B5EF4-FFF2-40B4-BE49-F238E27FC236}">
-                <a16:creationId xmlns:a16="http://schemas.microsoft.com/office/drawing/2014/main" id="{9578E701-EDAA-DCDA-FB35-3CDE72790FE7}"/>
+                <a16:creationId xmlns:a16="http://schemas.microsoft.com/office/drawing/2014/main" id="{3AF7DC97-80E7-69C2-8117-4D3535F1DC17}"/>
               </a:ext>
             </a:extLst>
           </p:cNvPr>
@@ -1450,7 +1450,7 @@
           <a:bodyPr/>
           <a:lstStyle/>
           <a:p>
-            <a:fld id="{99F08C01-CB03-4170-8D82-FDDE54998278}" type="slidenum">
+            <a:fld id="{DBB124C0-CFFB-43BF-9722-6E16570083F9}" type="slidenum">
               <a:rPr lang="zh-CN" altLang="en-US" smtClean="0"/>
               <a:t>‹#›</a:t>
             </a:fld>
@@ -1461,7 +1461,7 @@
     </p:spTree>
     <p:extLst>
       <p:ext uri="{BB962C8B-B14F-4D97-AF65-F5344CB8AC3E}">
-        <p14:creationId xmlns:p14="http://schemas.microsoft.com/office/powerpoint/2010/main" val="1087422664"/>
+        <p14:creationId xmlns:p14="http://schemas.microsoft.com/office/powerpoint/2010/main" val="212838909"/>
       </p:ext>
     </p:extLst>
   </p:cSld>
@@ -1493,7 +1493,7 @@
           <p:cNvPr id="2" name="标题 1">
             <a:extLst>
               <a:ext uri="{FF2B5EF4-FFF2-40B4-BE49-F238E27FC236}">
-                <a16:creationId xmlns:a16="http://schemas.microsoft.com/office/drawing/2014/main" id="{293A78DC-A589-39BA-0838-398BC2E2029C}"/>
+                <a16:creationId xmlns:a16="http://schemas.microsoft.com/office/drawing/2014/main" id="{99409BB1-115D-63F8-E089-30ED15334F8F}"/>
               </a:ext>
             </a:extLst>
           </p:cNvPr>
@@ -1526,7 +1526,7 @@
           <p:cNvPr id="3" name="文本占位符 2">
             <a:extLst>
               <a:ext uri="{FF2B5EF4-FFF2-40B4-BE49-F238E27FC236}">
-                <a16:creationId xmlns:a16="http://schemas.microsoft.com/office/drawing/2014/main" id="{5B90841D-1F36-263A-8E01-470276EC5B31}"/>
+                <a16:creationId xmlns:a16="http://schemas.microsoft.com/office/drawing/2014/main" id="{9600BA12-101E-CBCE-D2CB-C2F9750AFE61}"/>
               </a:ext>
             </a:extLst>
           </p:cNvPr>
@@ -1597,7 +1597,7 @@
           <p:cNvPr id="4" name="内容占位符 3">
             <a:extLst>
               <a:ext uri="{FF2B5EF4-FFF2-40B4-BE49-F238E27FC236}">
-                <a16:creationId xmlns:a16="http://schemas.microsoft.com/office/drawing/2014/main" id="{1AD141BC-75C3-6E76-4220-0F78B806266F}"/>
+                <a16:creationId xmlns:a16="http://schemas.microsoft.com/office/drawing/2014/main" id="{F80C6BE9-83E4-A47C-9B3C-F51D2C797C2D}"/>
               </a:ext>
             </a:extLst>
           </p:cNvPr>
@@ -1659,7 +1659,7 @@
           <p:cNvPr id="5" name="文本占位符 4">
             <a:extLst>
               <a:ext uri="{FF2B5EF4-FFF2-40B4-BE49-F238E27FC236}">
-                <a16:creationId xmlns:a16="http://schemas.microsoft.com/office/drawing/2014/main" id="{53867387-F760-5D16-4509-F98008815F93}"/>
+                <a16:creationId xmlns:a16="http://schemas.microsoft.com/office/drawing/2014/main" id="{8A84C777-B74F-21F3-30BF-DF754CABF759}"/>
               </a:ext>
             </a:extLst>
           </p:cNvPr>
@@ -1730,7 +1730,7 @@
           <p:cNvPr id="6" name="内容占位符 5">
             <a:extLst>
               <a:ext uri="{FF2B5EF4-FFF2-40B4-BE49-F238E27FC236}">
-                <a16:creationId xmlns:a16="http://schemas.microsoft.com/office/drawing/2014/main" id="{12793841-38C1-DE1B-EF56-B3C3C471044D}"/>
+                <a16:creationId xmlns:a16="http://schemas.microsoft.com/office/drawing/2014/main" id="{466A5D84-AA59-9E0F-C971-614E4D7655A2}"/>
               </a:ext>
             </a:extLst>
           </p:cNvPr>
@@ -1792,7 +1792,7 @@
           <p:cNvPr id="7" name="日期占位符 6">
             <a:extLst>
               <a:ext uri="{FF2B5EF4-FFF2-40B4-BE49-F238E27FC236}">
-                <a16:creationId xmlns:a16="http://schemas.microsoft.com/office/drawing/2014/main" id="{CB8D3376-8EDB-F876-9A09-F0A4B60DC289}"/>
+                <a16:creationId xmlns:a16="http://schemas.microsoft.com/office/drawing/2014/main" id="{DD6F2517-DB59-31A4-8D4C-3047D4A6F1FB}"/>
               </a:ext>
             </a:extLst>
           </p:cNvPr>
@@ -1808,7 +1808,7 @@
           <a:bodyPr/>
           <a:lstStyle/>
           <a:p>
-            <a:fld id="{A91A9AD6-08B1-4FEC-86FC-4D79965A16A6}" type="datetimeFigureOut">
+            <a:fld id="{424B1675-DFFF-4EE4-9B33-090780B5C3BF}" type="datetimeFigureOut">
               <a:rPr lang="zh-CN" altLang="en-US" smtClean="0"/>
               <a:t>2024/3/10</a:t>
             </a:fld>
@@ -1821,7 +1821,7 @@
           <p:cNvPr id="8" name="页脚占位符 7">
             <a:extLst>
               <a:ext uri="{FF2B5EF4-FFF2-40B4-BE49-F238E27FC236}">
-                <a16:creationId xmlns:a16="http://schemas.microsoft.com/office/drawing/2014/main" id="{4A681B51-3328-BE2A-9C47-4D8F12F4569F}"/>
+                <a16:creationId xmlns:a16="http://schemas.microsoft.com/office/drawing/2014/main" id="{61142D72-183D-6F86-10B1-93C9559FCF1B}"/>
               </a:ext>
             </a:extLst>
           </p:cNvPr>
@@ -1846,7 +1846,7 @@
           <p:cNvPr id="9" name="灯片编号占位符 8">
             <a:extLst>
               <a:ext uri="{FF2B5EF4-FFF2-40B4-BE49-F238E27FC236}">
-                <a16:creationId xmlns:a16="http://schemas.microsoft.com/office/drawing/2014/main" id="{10F55283-BF11-CE9E-5898-748D80117B41}"/>
+                <a16:creationId xmlns:a16="http://schemas.microsoft.com/office/drawing/2014/main" id="{04F1C38A-EE88-91DB-9B49-DAD16D6F0931}"/>
               </a:ext>
             </a:extLst>
           </p:cNvPr>
@@ -1862,7 +1862,7 @@
           <a:bodyPr/>
           <a:lstStyle/>
           <a:p>
-            <a:fld id="{99F08C01-CB03-4170-8D82-FDDE54998278}" type="slidenum">
+            <a:fld id="{DBB124C0-CFFB-43BF-9722-6E16570083F9}" type="slidenum">
               <a:rPr lang="zh-CN" altLang="en-US" smtClean="0"/>
               <a:t>‹#›</a:t>
             </a:fld>
@@ -1873,7 +1873,7 @@
     </p:spTree>
     <p:extLst>
       <p:ext uri="{BB962C8B-B14F-4D97-AF65-F5344CB8AC3E}">
-        <p14:creationId xmlns:p14="http://schemas.microsoft.com/office/powerpoint/2010/main" val="2136372261"/>
+        <p14:creationId xmlns:p14="http://schemas.microsoft.com/office/powerpoint/2010/main" val="3064041786"/>
       </p:ext>
     </p:extLst>
   </p:cSld>
@@ -1905,7 +1905,7 @@
           <p:cNvPr id="2" name="标题 1">
             <a:extLst>
               <a:ext uri="{FF2B5EF4-FFF2-40B4-BE49-F238E27FC236}">
-                <a16:creationId xmlns:a16="http://schemas.microsoft.com/office/drawing/2014/main" id="{2CB377E0-BC67-003E-DAB5-391F31D5F9A8}"/>
+                <a16:creationId xmlns:a16="http://schemas.microsoft.com/office/drawing/2014/main" id="{46D65343-A35D-DF54-FBC0-A1B694FF308D}"/>
               </a:ext>
             </a:extLst>
           </p:cNvPr>
@@ -1933,7 +1933,7 @@
           <p:cNvPr id="3" name="日期占位符 2">
             <a:extLst>
               <a:ext uri="{FF2B5EF4-FFF2-40B4-BE49-F238E27FC236}">
-                <a16:creationId xmlns:a16="http://schemas.microsoft.com/office/drawing/2014/main" id="{A68F9BB7-FFFA-0F88-1071-11F33B884288}"/>
+                <a16:creationId xmlns:a16="http://schemas.microsoft.com/office/drawing/2014/main" id="{625F3E43-3EE5-2F9E-8BEA-4E390C970FED}"/>
               </a:ext>
             </a:extLst>
           </p:cNvPr>
@@ -1949,7 +1949,7 @@
           <a:bodyPr/>
           <a:lstStyle/>
           <a:p>
-            <a:fld id="{A91A9AD6-08B1-4FEC-86FC-4D79965A16A6}" type="datetimeFigureOut">
+            <a:fld id="{424B1675-DFFF-4EE4-9B33-090780B5C3BF}" type="datetimeFigureOut">
               <a:rPr lang="zh-CN" altLang="en-US" smtClean="0"/>
               <a:t>2024/3/10</a:t>
             </a:fld>
@@ -1962,7 +1962,7 @@
           <p:cNvPr id="4" name="页脚占位符 3">
             <a:extLst>
               <a:ext uri="{FF2B5EF4-FFF2-40B4-BE49-F238E27FC236}">
-                <a16:creationId xmlns:a16="http://schemas.microsoft.com/office/drawing/2014/main" id="{3F796B8D-8CD5-56F4-3280-6A9B35F3CB24}"/>
+                <a16:creationId xmlns:a16="http://schemas.microsoft.com/office/drawing/2014/main" id="{FB3BF8D8-FBEB-7D95-DD1F-26AAE62F5AC9}"/>
               </a:ext>
             </a:extLst>
           </p:cNvPr>
@@ -1987,7 +1987,7 @@
           <p:cNvPr id="5" name="灯片编号占位符 4">
             <a:extLst>
               <a:ext uri="{FF2B5EF4-FFF2-40B4-BE49-F238E27FC236}">
-                <a16:creationId xmlns:a16="http://schemas.microsoft.com/office/drawing/2014/main" id="{AA630DAE-1BF1-C79C-3569-DF35086ADB66}"/>
+                <a16:creationId xmlns:a16="http://schemas.microsoft.com/office/drawing/2014/main" id="{517C2080-200F-8D53-04FF-5A78B129974C}"/>
               </a:ext>
             </a:extLst>
           </p:cNvPr>
@@ -2003,7 +2003,7 @@
           <a:bodyPr/>
           <a:lstStyle/>
           <a:p>
-            <a:fld id="{99F08C01-CB03-4170-8D82-FDDE54998278}" type="slidenum">
+            <a:fld id="{DBB124C0-CFFB-43BF-9722-6E16570083F9}" type="slidenum">
               <a:rPr lang="zh-CN" altLang="en-US" smtClean="0"/>
               <a:t>‹#›</a:t>
             </a:fld>
@@ -2014,7 +2014,7 @@
     </p:spTree>
     <p:extLst>
       <p:ext uri="{BB962C8B-B14F-4D97-AF65-F5344CB8AC3E}">
-        <p14:creationId xmlns:p14="http://schemas.microsoft.com/office/powerpoint/2010/main" val="56973350"/>
+        <p14:creationId xmlns:p14="http://schemas.microsoft.com/office/powerpoint/2010/main" val="521184212"/>
       </p:ext>
     </p:extLst>
   </p:cSld>
@@ -2046,7 +2046,7 @@
           <p:cNvPr id="2" name="日期占位符 1">
             <a:extLst>
               <a:ext uri="{FF2B5EF4-FFF2-40B4-BE49-F238E27FC236}">
-                <a16:creationId xmlns:a16="http://schemas.microsoft.com/office/drawing/2014/main" id="{52CE65E6-30A2-63D8-A283-89E60A17564E}"/>
+                <a16:creationId xmlns:a16="http://schemas.microsoft.com/office/drawing/2014/main" id="{D2F50B3D-DD73-5B23-2B1C-C326F25ECADE}"/>
               </a:ext>
             </a:extLst>
           </p:cNvPr>
@@ -2062,7 +2062,7 @@
           <a:bodyPr/>
           <a:lstStyle/>
           <a:p>
-            <a:fld id="{A91A9AD6-08B1-4FEC-86FC-4D79965A16A6}" type="datetimeFigureOut">
+            <a:fld id="{424B1675-DFFF-4EE4-9B33-090780B5C3BF}" type="datetimeFigureOut">
               <a:rPr lang="zh-CN" altLang="en-US" smtClean="0"/>
               <a:t>2024/3/10</a:t>
             </a:fld>
@@ -2075,7 +2075,7 @@
           <p:cNvPr id="3" name="页脚占位符 2">
             <a:extLst>
               <a:ext uri="{FF2B5EF4-FFF2-40B4-BE49-F238E27FC236}">
-                <a16:creationId xmlns:a16="http://schemas.microsoft.com/office/drawing/2014/main" id="{109C4FE1-54D7-F89F-6920-47BB6BE63FF2}"/>
+                <a16:creationId xmlns:a16="http://schemas.microsoft.com/office/drawing/2014/main" id="{9A32F0F6-5E3E-A17F-BB07-228615287E06}"/>
               </a:ext>
             </a:extLst>
           </p:cNvPr>
@@ -2100,7 +2100,7 @@
           <p:cNvPr id="4" name="灯片编号占位符 3">
             <a:extLst>
               <a:ext uri="{FF2B5EF4-FFF2-40B4-BE49-F238E27FC236}">
-                <a16:creationId xmlns:a16="http://schemas.microsoft.com/office/drawing/2014/main" id="{18FE14B6-5E6C-A27A-DAE8-3A9190EF7606}"/>
+                <a16:creationId xmlns:a16="http://schemas.microsoft.com/office/drawing/2014/main" id="{380FBD2D-32FE-BA22-47A3-413219A44EB4}"/>
               </a:ext>
             </a:extLst>
           </p:cNvPr>
@@ -2116,7 +2116,7 @@
           <a:bodyPr/>
           <a:lstStyle/>
           <a:p>
-            <a:fld id="{99F08C01-CB03-4170-8D82-FDDE54998278}" type="slidenum">
+            <a:fld id="{DBB124C0-CFFB-43BF-9722-6E16570083F9}" type="slidenum">
               <a:rPr lang="zh-CN" altLang="en-US" smtClean="0"/>
               <a:t>‹#›</a:t>
             </a:fld>
@@ -2127,7 +2127,7 @@
     </p:spTree>
     <p:extLst>
       <p:ext uri="{BB962C8B-B14F-4D97-AF65-F5344CB8AC3E}">
-        <p14:creationId xmlns:p14="http://schemas.microsoft.com/office/powerpoint/2010/main" val="1151426590"/>
+        <p14:creationId xmlns:p14="http://schemas.microsoft.com/office/powerpoint/2010/main" val="3185413357"/>
       </p:ext>
     </p:extLst>
   </p:cSld>
@@ -2159,7 +2159,7 @@
           <p:cNvPr id="2" name="标题 1">
             <a:extLst>
               <a:ext uri="{FF2B5EF4-FFF2-40B4-BE49-F238E27FC236}">
-                <a16:creationId xmlns:a16="http://schemas.microsoft.com/office/drawing/2014/main" id="{0B4FE86A-13AA-170F-956F-2F6A0EE86796}"/>
+                <a16:creationId xmlns:a16="http://schemas.microsoft.com/office/drawing/2014/main" id="{BAC500B0-04F8-B3DE-1766-377683A60B74}"/>
               </a:ext>
             </a:extLst>
           </p:cNvPr>
@@ -2196,7 +2196,7 @@
           <p:cNvPr id="3" name="内容占位符 2">
             <a:extLst>
               <a:ext uri="{FF2B5EF4-FFF2-40B4-BE49-F238E27FC236}">
-                <a16:creationId xmlns:a16="http://schemas.microsoft.com/office/drawing/2014/main" id="{BD1EBA38-19CD-AAAA-CD06-F46E5A9AE53E}"/>
+                <a16:creationId xmlns:a16="http://schemas.microsoft.com/office/drawing/2014/main" id="{CDA4CF40-07B5-0E24-9EA6-0A686F8FA1EE}"/>
               </a:ext>
             </a:extLst>
           </p:cNvPr>
@@ -2286,7 +2286,7 @@
           <p:cNvPr id="4" name="文本占位符 3">
             <a:extLst>
               <a:ext uri="{FF2B5EF4-FFF2-40B4-BE49-F238E27FC236}">
-                <a16:creationId xmlns:a16="http://schemas.microsoft.com/office/drawing/2014/main" id="{BCA13FAF-B2D3-3E07-0CDD-60F91F518BA5}"/>
+                <a16:creationId xmlns:a16="http://schemas.microsoft.com/office/drawing/2014/main" id="{8A9E5ED6-F299-CFED-FD8A-144DEE410B01}"/>
               </a:ext>
             </a:extLst>
           </p:cNvPr>
@@ -2357,7 +2357,7 @@
           <p:cNvPr id="5" name="日期占位符 4">
             <a:extLst>
               <a:ext uri="{FF2B5EF4-FFF2-40B4-BE49-F238E27FC236}">
-                <a16:creationId xmlns:a16="http://schemas.microsoft.com/office/drawing/2014/main" id="{6EF341DE-682D-4F4C-30C3-07184A8BCBD4}"/>
+                <a16:creationId xmlns:a16="http://schemas.microsoft.com/office/drawing/2014/main" id="{EB27D39C-08CD-58F8-F8B8-1FAED5A50E7F}"/>
               </a:ext>
             </a:extLst>
           </p:cNvPr>
@@ -2373,7 +2373,7 @@
           <a:bodyPr/>
           <a:lstStyle/>
           <a:p>
-            <a:fld id="{A91A9AD6-08B1-4FEC-86FC-4D79965A16A6}" type="datetimeFigureOut">
+            <a:fld id="{424B1675-DFFF-4EE4-9B33-090780B5C3BF}" type="datetimeFigureOut">
               <a:rPr lang="zh-CN" altLang="en-US" smtClean="0"/>
               <a:t>2024/3/10</a:t>
             </a:fld>
@@ -2386,7 +2386,7 @@
           <p:cNvPr id="6" name="页脚占位符 5">
             <a:extLst>
               <a:ext uri="{FF2B5EF4-FFF2-40B4-BE49-F238E27FC236}">
-                <a16:creationId xmlns:a16="http://schemas.microsoft.com/office/drawing/2014/main" id="{DFBE437C-2B4F-E972-AAF9-2BB9263AA704}"/>
+                <a16:creationId xmlns:a16="http://schemas.microsoft.com/office/drawing/2014/main" id="{97008ADB-B50E-205E-01F4-A584900BB8DC}"/>
               </a:ext>
             </a:extLst>
           </p:cNvPr>
@@ -2411,7 +2411,7 @@
           <p:cNvPr id="7" name="灯片编号占位符 6">
             <a:extLst>
               <a:ext uri="{FF2B5EF4-FFF2-40B4-BE49-F238E27FC236}">
-                <a16:creationId xmlns:a16="http://schemas.microsoft.com/office/drawing/2014/main" id="{F3FCDC6E-1CA3-C0C8-C1BB-A92052B99E51}"/>
+                <a16:creationId xmlns:a16="http://schemas.microsoft.com/office/drawing/2014/main" id="{15F30791-CD7B-3CFC-3487-87B074AD5621}"/>
               </a:ext>
             </a:extLst>
           </p:cNvPr>
@@ -2427,7 +2427,7 @@
           <a:bodyPr/>
           <a:lstStyle/>
           <a:p>
-            <a:fld id="{99F08C01-CB03-4170-8D82-FDDE54998278}" type="slidenum">
+            <a:fld id="{DBB124C0-CFFB-43BF-9722-6E16570083F9}" type="slidenum">
               <a:rPr lang="zh-CN" altLang="en-US" smtClean="0"/>
               <a:t>‹#›</a:t>
             </a:fld>
@@ -2438,7 +2438,7 @@
     </p:spTree>
     <p:extLst>
       <p:ext uri="{BB962C8B-B14F-4D97-AF65-F5344CB8AC3E}">
-        <p14:creationId xmlns:p14="http://schemas.microsoft.com/office/powerpoint/2010/main" val="3661068198"/>
+        <p14:creationId xmlns:p14="http://schemas.microsoft.com/office/powerpoint/2010/main" val="3933070526"/>
       </p:ext>
     </p:extLst>
   </p:cSld>
@@ -2470,7 +2470,7 @@
           <p:cNvPr id="2" name="标题 1">
             <a:extLst>
               <a:ext uri="{FF2B5EF4-FFF2-40B4-BE49-F238E27FC236}">
-                <a16:creationId xmlns:a16="http://schemas.microsoft.com/office/drawing/2014/main" id="{756D88F2-27A5-B9BE-57A3-B1EFB387C0AC}"/>
+                <a16:creationId xmlns:a16="http://schemas.microsoft.com/office/drawing/2014/main" id="{5AF03336-35FF-A595-E694-C6CD1E51FFAF}"/>
               </a:ext>
             </a:extLst>
           </p:cNvPr>
@@ -2507,7 +2507,7 @@
           <p:cNvPr id="3" name="图片占位符 2">
             <a:extLst>
               <a:ext uri="{FF2B5EF4-FFF2-40B4-BE49-F238E27FC236}">
-                <a16:creationId xmlns:a16="http://schemas.microsoft.com/office/drawing/2014/main" id="{784A02A4-74E6-5B2D-0D81-4E3E353CCAA9}"/>
+                <a16:creationId xmlns:a16="http://schemas.microsoft.com/office/drawing/2014/main" id="{32328899-F1C4-8156-2E27-9424E746FF9A}"/>
               </a:ext>
             </a:extLst>
           </p:cNvPr>
@@ -2574,7 +2574,7 @@
           <p:cNvPr id="4" name="文本占位符 3">
             <a:extLst>
               <a:ext uri="{FF2B5EF4-FFF2-40B4-BE49-F238E27FC236}">
-                <a16:creationId xmlns:a16="http://schemas.microsoft.com/office/drawing/2014/main" id="{923E2005-69F5-1B17-17AA-5E14D42005FC}"/>
+                <a16:creationId xmlns:a16="http://schemas.microsoft.com/office/drawing/2014/main" id="{1DD1D916-56B8-2990-732E-0CD455BBB16A}"/>
               </a:ext>
             </a:extLst>
           </p:cNvPr>
@@ -2645,7 +2645,7 @@
           <p:cNvPr id="5" name="日期占位符 4">
             <a:extLst>
               <a:ext uri="{FF2B5EF4-FFF2-40B4-BE49-F238E27FC236}">
-                <a16:creationId xmlns:a16="http://schemas.microsoft.com/office/drawing/2014/main" id="{48DD91DB-0863-E548-E78F-973CCB66BAB9}"/>
+                <a16:creationId xmlns:a16="http://schemas.microsoft.com/office/drawing/2014/main" id="{6AE1421D-96D4-EA86-0076-B65D3B3945AE}"/>
               </a:ext>
             </a:extLst>
           </p:cNvPr>
@@ -2661,7 +2661,7 @@
           <a:bodyPr/>
           <a:lstStyle/>
           <a:p>
-            <a:fld id="{A91A9AD6-08B1-4FEC-86FC-4D79965A16A6}" type="datetimeFigureOut">
+            <a:fld id="{424B1675-DFFF-4EE4-9B33-090780B5C3BF}" type="datetimeFigureOut">
               <a:rPr lang="zh-CN" altLang="en-US" smtClean="0"/>
               <a:t>2024/3/10</a:t>
             </a:fld>
@@ -2674,7 +2674,7 @@
           <p:cNvPr id="6" name="页脚占位符 5">
             <a:extLst>
               <a:ext uri="{FF2B5EF4-FFF2-40B4-BE49-F238E27FC236}">
-                <a16:creationId xmlns:a16="http://schemas.microsoft.com/office/drawing/2014/main" id="{E85B16F8-080E-7C82-48D7-E437BCF22224}"/>
+                <a16:creationId xmlns:a16="http://schemas.microsoft.com/office/drawing/2014/main" id="{B506E041-96B6-A9B8-795E-302DEDAC65DF}"/>
               </a:ext>
             </a:extLst>
           </p:cNvPr>
@@ -2699,7 +2699,7 @@
           <p:cNvPr id="7" name="灯片编号占位符 6">
             <a:extLst>
               <a:ext uri="{FF2B5EF4-FFF2-40B4-BE49-F238E27FC236}">
-                <a16:creationId xmlns:a16="http://schemas.microsoft.com/office/drawing/2014/main" id="{ADFA3F27-8C2B-1733-CCCD-F0B8E93FE768}"/>
+                <a16:creationId xmlns:a16="http://schemas.microsoft.com/office/drawing/2014/main" id="{16D4BBCF-C866-23A3-3D8A-39742FBC7EE1}"/>
               </a:ext>
             </a:extLst>
           </p:cNvPr>
@@ -2715,7 +2715,7 @@
           <a:bodyPr/>
           <a:lstStyle/>
           <a:p>
-            <a:fld id="{99F08C01-CB03-4170-8D82-FDDE54998278}" type="slidenum">
+            <a:fld id="{DBB124C0-CFFB-43BF-9722-6E16570083F9}" type="slidenum">
               <a:rPr lang="zh-CN" altLang="en-US" smtClean="0"/>
               <a:t>‹#›</a:t>
             </a:fld>
@@ -2726,7 +2726,7 @@
     </p:spTree>
     <p:extLst>
       <p:ext uri="{BB962C8B-B14F-4D97-AF65-F5344CB8AC3E}">
-        <p14:creationId xmlns:p14="http://schemas.microsoft.com/office/powerpoint/2010/main" val="4216162041"/>
+        <p14:creationId xmlns:p14="http://schemas.microsoft.com/office/powerpoint/2010/main" val="1187747988"/>
       </p:ext>
     </p:extLst>
   </p:cSld>
@@ -2763,7 +2763,7 @@
           <p:cNvPr id="2" name="标题占位符 1">
             <a:extLst>
               <a:ext uri="{FF2B5EF4-FFF2-40B4-BE49-F238E27FC236}">
-                <a16:creationId xmlns:a16="http://schemas.microsoft.com/office/drawing/2014/main" id="{042C963A-4A35-9E20-3ADE-03CD917084F8}"/>
+                <a16:creationId xmlns:a16="http://schemas.microsoft.com/office/drawing/2014/main" id="{5B2F94E8-7723-B66D-0049-AC35A4EE42E7}"/>
               </a:ext>
             </a:extLst>
           </p:cNvPr>
@@ -2801,7 +2801,7 @@
           <p:cNvPr id="3" name="文本占位符 2">
             <a:extLst>
               <a:ext uri="{FF2B5EF4-FFF2-40B4-BE49-F238E27FC236}">
-                <a16:creationId xmlns:a16="http://schemas.microsoft.com/office/drawing/2014/main" id="{F5D523A9-45B0-E93D-A9CA-9593237A3ADD}"/>
+                <a16:creationId xmlns:a16="http://schemas.microsoft.com/office/drawing/2014/main" id="{FB8E6F86-BEEC-C1E5-2885-BF727AFCFAF9}"/>
               </a:ext>
             </a:extLst>
           </p:cNvPr>
@@ -2868,7 +2868,7 @@
           <p:cNvPr id="4" name="日期占位符 3">
             <a:extLst>
               <a:ext uri="{FF2B5EF4-FFF2-40B4-BE49-F238E27FC236}">
-                <a16:creationId xmlns:a16="http://schemas.microsoft.com/office/drawing/2014/main" id="{E40A7D0A-C1E7-522C-8366-2ACB4F1769BF}"/>
+                <a16:creationId xmlns:a16="http://schemas.microsoft.com/office/drawing/2014/main" id="{0E664252-659B-8792-3B92-E3FF8346B9B4}"/>
               </a:ext>
             </a:extLst>
           </p:cNvPr>
@@ -2902,7 +2902,7 @@
             </a:lvl1pPr>
           </a:lstStyle>
           <a:p>
-            <a:fld id="{A91A9AD6-08B1-4FEC-86FC-4D79965A16A6}" type="datetimeFigureOut">
+            <a:fld id="{424B1675-DFFF-4EE4-9B33-090780B5C3BF}" type="datetimeFigureOut">
               <a:rPr lang="zh-CN" altLang="en-US" smtClean="0"/>
               <a:t>2024/3/10</a:t>
             </a:fld>
@@ -2915,7 +2915,7 @@
           <p:cNvPr id="5" name="页脚占位符 4">
             <a:extLst>
               <a:ext uri="{FF2B5EF4-FFF2-40B4-BE49-F238E27FC236}">
-                <a16:creationId xmlns:a16="http://schemas.microsoft.com/office/drawing/2014/main" id="{C56C0134-702B-49B8-5D07-808254D0406A}"/>
+                <a16:creationId xmlns:a16="http://schemas.microsoft.com/office/drawing/2014/main" id="{E6B4BFE6-719B-8D5A-28DB-7CC385E8D225}"/>
               </a:ext>
             </a:extLst>
           </p:cNvPr>
@@ -2958,7 +2958,7 @@
           <p:cNvPr id="6" name="灯片编号占位符 5">
             <a:extLst>
               <a:ext uri="{FF2B5EF4-FFF2-40B4-BE49-F238E27FC236}">
-                <a16:creationId xmlns:a16="http://schemas.microsoft.com/office/drawing/2014/main" id="{FA54ECCB-6C0D-1C9F-91D7-E93D21059CE0}"/>
+                <a16:creationId xmlns:a16="http://schemas.microsoft.com/office/drawing/2014/main" id="{D689F15E-C34E-D470-B0A8-1202F19EBC7D}"/>
               </a:ext>
             </a:extLst>
           </p:cNvPr>
@@ -2992,7 +2992,7 @@
             </a:lvl1pPr>
           </a:lstStyle>
           <a:p>
-            <a:fld id="{99F08C01-CB03-4170-8D82-FDDE54998278}" type="slidenum">
+            <a:fld id="{DBB124C0-CFFB-43BF-9722-6E16570083F9}" type="slidenum">
               <a:rPr lang="zh-CN" altLang="en-US" smtClean="0"/>
               <a:t>‹#›</a:t>
             </a:fld>
@@ -3003,7 +3003,7 @@
     </p:spTree>
     <p:extLst>
       <p:ext uri="{BB962C8B-B14F-4D97-AF65-F5344CB8AC3E}">
-        <p14:creationId xmlns:p14="http://schemas.microsoft.com/office/powerpoint/2010/main" val="995529167"/>
+        <p14:creationId xmlns:p14="http://schemas.microsoft.com/office/powerpoint/2010/main" val="3326808320"/>
       </p:ext>
     </p:extLst>
   </p:cSld>
@@ -3323,7 +3323,7 @@
       </p:grpSpPr>
       <p:pic>
         <p:nvPicPr>
-          <p:cNvPr id="1616898" name="Picture 2" descr="1578"/>
+          <p:cNvPr id="1617922" name="Picture 2" descr="1579"/>
           <p:cNvPicPr>
             <a:picLocks noChangeAspect="1" noChangeArrowheads="1"/>
           </p:cNvPicPr>
@@ -3337,15 +3337,15 @@
               </a:ext>
             </a:extLst>
           </a:blip>
-          <a:srcRect r="9174"/>
+          <a:srcRect/>
           <a:stretch>
             <a:fillRect/>
           </a:stretch>
         </p:blipFill>
         <p:spPr bwMode="auto">
           <a:xfrm>
-            <a:off x="1631951" y="44451"/>
-            <a:ext cx="9001125" cy="6189663"/>
+            <a:off x="1524000" y="14288"/>
+            <a:ext cx="9124950" cy="6843712"/>
           </a:xfrm>
           <a:prstGeom prst="rect">
             <a:avLst/>
@@ -3375,158 +3375,11 @@
           </a:extLst>
         </p:spPr>
       </p:pic>
-      <p:pic>
-        <p:nvPicPr>
-          <p:cNvPr id="1617923" name="Picture 3" descr="1578-2"/>
-          <p:cNvPicPr>
-            <a:picLocks noChangeAspect="1" noChangeArrowheads="1"/>
-          </p:cNvPicPr>
-          <p:nvPr/>
-        </p:nvPicPr>
-        <p:blipFill>
-          <a:blip r:embed="rId3">
-            <a:extLst>
-              <a:ext uri="{28A0092B-C50C-407E-A947-70E740481C1C}">
-                <a14:useLocalDpi xmlns:a14="http://schemas.microsoft.com/office/drawing/2010/main" val="0"/>
-              </a:ext>
-            </a:extLst>
-          </a:blip>
-          <a:srcRect/>
-          <a:stretch>
-            <a:fillRect/>
-          </a:stretch>
-        </p:blipFill>
-        <p:spPr bwMode="auto">
-          <a:xfrm>
-            <a:off x="1524000" y="0"/>
-            <a:ext cx="9144000" cy="6858000"/>
-          </a:xfrm>
-          <a:prstGeom prst="rect">
-            <a:avLst/>
-          </a:prstGeom>
-          <a:noFill/>
-          <a:ln>
-            <a:noFill/>
-          </a:ln>
-          <a:effectLst/>
-          <a:extLst>
-            <a:ext uri="{909E8E84-426E-40DD-AFC4-6F175D3DCCD1}">
-              <a14:hiddenFill xmlns:a14="http://schemas.microsoft.com/office/drawing/2010/main">
-                <a:solidFill>
-                  <a:srgbClr val="FFFFFF"/>
-                </a:solidFill>
-              </a14:hiddenFill>
-            </a:ext>
-            <a:ext uri="{91240B29-F687-4F45-9708-019B960494DF}">
-              <a14:hiddenLine xmlns:a14="http://schemas.microsoft.com/office/drawing/2010/main" w="9525">
-                <a:solidFill>
-                  <a:srgbClr val="000000"/>
-                </a:solidFill>
-                <a:miter lim="800000"/>
-                <a:headEnd/>
-                <a:tailEnd/>
-              </a14:hiddenLine>
-            </a:ext>
-            <a:ext uri="{AF507438-7753-43E0-B8FC-AC1667EBCBE1}">
-              <a14:hiddenEffects xmlns:a14="http://schemas.microsoft.com/office/drawing/2010/main">
-                <a:effectLst>
-                  <a:outerShdw dist="35921" dir="2700000" algn="ctr" rotWithShape="0">
-                    <a:srgbClr val="808080"/>
-                  </a:outerShdw>
-                </a:effectLst>
-              </a14:hiddenEffects>
-            </a:ext>
-          </a:extLst>
-        </p:spPr>
-      </p:pic>
     </p:spTree>
   </p:cSld>
   <p:clrMapOvr>
     <a:masterClrMapping/>
   </p:clrMapOvr>
-  <p:timing>
-    <p:tnLst>
-      <p:par>
-        <p:cTn id="1" dur="indefinite" restart="never" nodeType="tmRoot">
-          <p:childTnLst>
-            <p:seq concurrent="1" nextAc="seek">
-              <p:cTn id="2" dur="indefinite" nodeType="mainSeq">
-                <p:childTnLst>
-                  <p:par>
-                    <p:cTn id="3" fill="hold" nodeType="clickPar">
-                      <p:stCondLst>
-                        <p:cond delay="indefinite"/>
-                      </p:stCondLst>
-                      <p:childTnLst>
-                        <p:par>
-                          <p:cTn id="4" fill="hold" nodeType="withGroup">
-                            <p:stCondLst>
-                              <p:cond delay="0"/>
-                            </p:stCondLst>
-                            <p:childTnLst>
-                              <p:par>
-                                <p:cTn id="5" presetID="10" presetClass="entr" presetSubtype="0" fill="hold" nodeType="clickEffect">
-                                  <p:stCondLst>
-                                    <p:cond delay="0"/>
-                                  </p:stCondLst>
-                                  <p:childTnLst>
-                                    <p:set>
-                                      <p:cBhvr>
-                                        <p:cTn id="6" dur="1" fill="hold">
-                                          <p:stCondLst>
-                                            <p:cond delay="0"/>
-                                          </p:stCondLst>
-                                        </p:cTn>
-                                        <p:tgtEl>
-                                          <p:spTgt spid="1617923"/>
-                                        </p:tgtEl>
-                                        <p:attrNameLst>
-                                          <p:attrName>style.visibility</p:attrName>
-                                        </p:attrNameLst>
-                                      </p:cBhvr>
-                                      <p:to>
-                                        <p:strVal val="visible"/>
-                                      </p:to>
-                                    </p:set>
-                                    <p:animEffect transition="in" filter="fade">
-                                      <p:cBhvr>
-                                        <p:cTn id="7" dur="500"/>
-                                        <p:tgtEl>
-                                          <p:spTgt spid="1617923"/>
-                                        </p:tgtEl>
-                                      </p:cBhvr>
-                                    </p:animEffect>
-                                  </p:childTnLst>
-                                </p:cTn>
-                              </p:par>
-                            </p:childTnLst>
-                          </p:cTn>
-                        </p:par>
-                      </p:childTnLst>
-                    </p:cTn>
-                  </p:par>
-                </p:childTnLst>
-              </p:cTn>
-              <p:prevCondLst>
-                <p:cond evt="onPrev" delay="0">
-                  <p:tgtEl>
-                    <p:sldTgt/>
-                  </p:tgtEl>
-                </p:cond>
-              </p:prevCondLst>
-              <p:nextCondLst>
-                <p:cond evt="onNext" delay="0">
-                  <p:tgtEl>
-                    <p:sldTgt/>
-                  </p:tgtEl>
-                </p:cond>
-              </p:nextCondLst>
-            </p:seq>
-          </p:childTnLst>
-        </p:cTn>
-      </p:par>
-    </p:tnLst>
-  </p:timing>
 </p:sld>
 </file>
 
